--- a/課程資料/力與運動遊樂場/摘要.pptx
+++ b/課程資料/力與運動遊樂場/摘要.pptx
@@ -259,7 +259,7 @@
           <a:p>
             <a:fld id="{FA16A518-A0C3-4B00-9084-763C6916F68A}" type="datetimeFigureOut">
               <a:rPr lang="zh-TW" altLang="en-US" smtClean="0"/>
-              <a:t>2022/1/26</a:t>
+              <a:t>2022/2/27</a:t>
             </a:fld>
             <a:endParaRPr lang="zh-TW" altLang="en-US"/>
           </a:p>
@@ -457,7 +457,7 @@
           <a:p>
             <a:fld id="{FA16A518-A0C3-4B00-9084-763C6916F68A}" type="datetimeFigureOut">
               <a:rPr lang="zh-TW" altLang="en-US" smtClean="0"/>
-              <a:t>2022/1/26</a:t>
+              <a:t>2022/2/27</a:t>
             </a:fld>
             <a:endParaRPr lang="zh-TW" altLang="en-US"/>
           </a:p>
@@ -665,7 +665,7 @@
           <a:p>
             <a:fld id="{FA16A518-A0C3-4B00-9084-763C6916F68A}" type="datetimeFigureOut">
               <a:rPr lang="zh-TW" altLang="en-US" smtClean="0"/>
-              <a:t>2022/1/26</a:t>
+              <a:t>2022/2/27</a:t>
             </a:fld>
             <a:endParaRPr lang="zh-TW" altLang="en-US"/>
           </a:p>
@@ -863,7 +863,7 @@
           <a:p>
             <a:fld id="{FA16A518-A0C3-4B00-9084-763C6916F68A}" type="datetimeFigureOut">
               <a:rPr lang="zh-TW" altLang="en-US" smtClean="0"/>
-              <a:t>2022/1/26</a:t>
+              <a:t>2022/2/27</a:t>
             </a:fld>
             <a:endParaRPr lang="zh-TW" altLang="en-US"/>
           </a:p>
@@ -1138,7 +1138,7 @@
           <a:p>
             <a:fld id="{FA16A518-A0C3-4B00-9084-763C6916F68A}" type="datetimeFigureOut">
               <a:rPr lang="zh-TW" altLang="en-US" smtClean="0"/>
-              <a:t>2022/1/26</a:t>
+              <a:t>2022/2/27</a:t>
             </a:fld>
             <a:endParaRPr lang="zh-TW" altLang="en-US"/>
           </a:p>
@@ -1403,7 +1403,7 @@
           <a:p>
             <a:fld id="{FA16A518-A0C3-4B00-9084-763C6916F68A}" type="datetimeFigureOut">
               <a:rPr lang="zh-TW" altLang="en-US" smtClean="0"/>
-              <a:t>2022/1/26</a:t>
+              <a:t>2022/2/27</a:t>
             </a:fld>
             <a:endParaRPr lang="zh-TW" altLang="en-US"/>
           </a:p>
@@ -1815,7 +1815,7 @@
           <a:p>
             <a:fld id="{FA16A518-A0C3-4B00-9084-763C6916F68A}" type="datetimeFigureOut">
               <a:rPr lang="zh-TW" altLang="en-US" smtClean="0"/>
-              <a:t>2022/1/26</a:t>
+              <a:t>2022/2/27</a:t>
             </a:fld>
             <a:endParaRPr lang="zh-TW" altLang="en-US"/>
           </a:p>
@@ -1956,7 +1956,7 @@
           <a:p>
             <a:fld id="{FA16A518-A0C3-4B00-9084-763C6916F68A}" type="datetimeFigureOut">
               <a:rPr lang="zh-TW" altLang="en-US" smtClean="0"/>
-              <a:t>2022/1/26</a:t>
+              <a:t>2022/2/27</a:t>
             </a:fld>
             <a:endParaRPr lang="zh-TW" altLang="en-US"/>
           </a:p>
@@ -2069,7 +2069,7 @@
           <a:p>
             <a:fld id="{FA16A518-A0C3-4B00-9084-763C6916F68A}" type="datetimeFigureOut">
               <a:rPr lang="zh-TW" altLang="en-US" smtClean="0"/>
-              <a:t>2022/1/26</a:t>
+              <a:t>2022/2/27</a:t>
             </a:fld>
             <a:endParaRPr lang="zh-TW" altLang="en-US"/>
           </a:p>
@@ -2380,7 +2380,7 @@
           <a:p>
             <a:fld id="{FA16A518-A0C3-4B00-9084-763C6916F68A}" type="datetimeFigureOut">
               <a:rPr lang="zh-TW" altLang="en-US" smtClean="0"/>
-              <a:t>2022/1/26</a:t>
+              <a:t>2022/2/27</a:t>
             </a:fld>
             <a:endParaRPr lang="zh-TW" altLang="en-US"/>
           </a:p>
@@ -2668,7 +2668,7 @@
           <a:p>
             <a:fld id="{FA16A518-A0C3-4B00-9084-763C6916F68A}" type="datetimeFigureOut">
               <a:rPr lang="zh-TW" altLang="en-US" smtClean="0"/>
-              <a:t>2022/1/26</a:t>
+              <a:t>2022/2/27</a:t>
             </a:fld>
             <a:endParaRPr lang="zh-TW" altLang="en-US"/>
           </a:p>
@@ -2909,7 +2909,7 @@
           <a:p>
             <a:fld id="{FA16A518-A0C3-4B00-9084-763C6916F68A}" type="datetimeFigureOut">
               <a:rPr lang="zh-TW" altLang="en-US" smtClean="0"/>
-              <a:t>2022/1/26</a:t>
+              <a:t>2022/2/27</a:t>
             </a:fld>
             <a:endParaRPr lang="zh-TW" altLang="en-US"/>
           </a:p>
@@ -3376,7 +3376,7 @@
         </p:blipFill>
         <p:spPr>
           <a:xfrm>
-            <a:off x="3004632" y="1560688"/>
+            <a:off x="7749215" y="1541265"/>
             <a:ext cx="2140914" cy="2034074"/>
           </a:xfrm>
           <a:prstGeom prst="rect">
@@ -3405,7 +3405,7 @@
         </p:blipFill>
         <p:spPr>
           <a:xfrm>
-            <a:off x="5223476" y="1560688"/>
+            <a:off x="3124089" y="1548883"/>
             <a:ext cx="2140914" cy="2034074"/>
           </a:xfrm>
           <a:prstGeom prst="rect">
@@ -3434,7 +3434,7 @@
         </p:blipFill>
         <p:spPr>
           <a:xfrm>
-            <a:off x="7442320" y="1560687"/>
+            <a:off x="5477941" y="1548883"/>
             <a:ext cx="2058336" cy="2018839"/>
           </a:xfrm>
           <a:prstGeom prst="rect">
